--- a/進捗報告_第1回_20190108.pptx
+++ b/進捗報告_第1回_20190108.pptx
@@ -11064,6 +11064,14 @@
           <a:prstGeom prst="rect">
             <a:avLst/>
           </a:prstGeom>
+          <a:solidFill>
+            <a:srgbClr val="FFFF00"/>
+          </a:solidFill>
+          <a:ln>
+            <a:solidFill>
+              <a:schemeClr val="tx1"/>
+            </a:solidFill>
+          </a:ln>
         </p:spPr>
         <p:style>
           <a:lnRef idx="2">
@@ -11174,6 +11182,11 @@
           <a:prstGeom prst="ellipse">
             <a:avLst/>
           </a:prstGeom>
+          <a:ln>
+            <a:solidFill>
+              <a:schemeClr val="tx1"/>
+            </a:solidFill>
+          </a:ln>
         </p:spPr>
         <p:style>
           <a:lnRef idx="2">
@@ -11549,6 +11562,11 @@
           <a:prstGeom prst="upDownArrow">
             <a:avLst/>
           </a:prstGeom>
+          <a:ln>
+            <a:solidFill>
+              <a:schemeClr val="tx1"/>
+            </a:solidFill>
+          </a:ln>
         </p:spPr>
         <p:style>
           <a:lnRef idx="2">
@@ -11761,6 +11779,14 @@
           <a:prstGeom prst="downArrow">
             <a:avLst/>
           </a:prstGeom>
+          <a:solidFill>
+            <a:schemeClr val="bg1"/>
+          </a:solidFill>
+          <a:ln>
+            <a:solidFill>
+              <a:schemeClr val="tx1"/>
+            </a:solidFill>
+          </a:ln>
         </p:spPr>
         <p:style>
           <a:lnRef idx="2">
@@ -11878,6 +11904,14 @@
           <a:prstGeom prst="rect">
             <a:avLst/>
           </a:prstGeom>
+          <a:solidFill>
+            <a:srgbClr val="FFFF00"/>
+          </a:solidFill>
+          <a:ln>
+            <a:solidFill>
+              <a:schemeClr val="tx1"/>
+            </a:solidFill>
+          </a:ln>
         </p:spPr>
         <p:style>
           <a:lnRef idx="2">
@@ -11924,6 +11958,11 @@
           <a:prstGeom prst="ellipse">
             <a:avLst/>
           </a:prstGeom>
+          <a:ln>
+            <a:solidFill>
+              <a:schemeClr val="tx1"/>
+            </a:solidFill>
+          </a:ln>
         </p:spPr>
         <p:style>
           <a:lnRef idx="2">
@@ -12185,6 +12224,11 @@
           <a:prstGeom prst="upDownArrow">
             <a:avLst/>
           </a:prstGeom>
+          <a:ln>
+            <a:solidFill>
+              <a:schemeClr val="tx1"/>
+            </a:solidFill>
+          </a:ln>
         </p:spPr>
         <p:style>
           <a:lnRef idx="2">
@@ -12393,6 +12437,14 @@
           <a:prstGeom prst="downArrow">
             <a:avLst/>
           </a:prstGeom>
+          <a:solidFill>
+            <a:schemeClr val="bg1"/>
+          </a:solidFill>
+          <a:ln>
+            <a:solidFill>
+              <a:schemeClr val="tx1"/>
+            </a:solidFill>
+          </a:ln>
         </p:spPr>
         <p:style>
           <a:lnRef idx="2">
@@ -12475,6 +12527,14 @@
           <a:prstGeom prst="rect">
             <a:avLst/>
           </a:prstGeom>
+          <a:solidFill>
+            <a:srgbClr val="FFFF00"/>
+          </a:solidFill>
+          <a:ln>
+            <a:solidFill>
+              <a:schemeClr val="tx1"/>
+            </a:solidFill>
+          </a:ln>
         </p:spPr>
         <p:style>
           <a:lnRef idx="2">
@@ -12521,6 +12581,11 @@
           <a:prstGeom prst="ellipse">
             <a:avLst/>
           </a:prstGeom>
+          <a:ln>
+            <a:solidFill>
+              <a:schemeClr val="tx1"/>
+            </a:solidFill>
+          </a:ln>
         </p:spPr>
         <p:style>
           <a:lnRef idx="2">
@@ -12782,6 +12847,11 @@
           <a:prstGeom prst="upDownArrow">
             <a:avLst/>
           </a:prstGeom>
+          <a:ln>
+            <a:solidFill>
+              <a:schemeClr val="tx1"/>
+            </a:solidFill>
+          </a:ln>
         </p:spPr>
         <p:style>
           <a:lnRef idx="2">
@@ -12990,6 +13060,14 @@
           <a:prstGeom prst="downArrow">
             <a:avLst/>
           </a:prstGeom>
+          <a:solidFill>
+            <a:schemeClr val="bg1"/>
+          </a:solidFill>
+          <a:ln>
+            <a:solidFill>
+              <a:schemeClr val="tx1"/>
+            </a:solidFill>
+          </a:ln>
         </p:spPr>
         <p:style>
           <a:lnRef idx="2">
@@ -13072,6 +13150,14 @@
           <a:prstGeom prst="rect">
             <a:avLst/>
           </a:prstGeom>
+          <a:solidFill>
+            <a:srgbClr val="FFFF00"/>
+          </a:solidFill>
+          <a:ln>
+            <a:solidFill>
+              <a:schemeClr val="tx1"/>
+            </a:solidFill>
+          </a:ln>
         </p:spPr>
         <p:style>
           <a:lnRef idx="2">
@@ -13118,6 +13204,14 @@
           <a:prstGeom prst="rect">
             <a:avLst/>
           </a:prstGeom>
+          <a:solidFill>
+            <a:srgbClr val="FFFF00"/>
+          </a:solidFill>
+          <a:ln>
+            <a:solidFill>
+              <a:schemeClr val="tx1"/>
+            </a:solidFill>
+          </a:ln>
         </p:spPr>
         <p:style>
           <a:lnRef idx="2">
@@ -13164,6 +13258,14 @@
           <a:prstGeom prst="rect">
             <a:avLst/>
           </a:prstGeom>
+          <a:solidFill>
+            <a:srgbClr val="FFFF00"/>
+          </a:solidFill>
+          <a:ln>
+            <a:solidFill>
+              <a:schemeClr val="tx1"/>
+            </a:solidFill>
+          </a:ln>
         </p:spPr>
         <p:style>
           <a:lnRef idx="2">
@@ -13354,11 +13456,11 @@
               <a:gd name="adj3" fmla="val 104363"/>
             </a:avLst>
           </a:prstGeom>
-          <a:ln w="28575">
+          <a:ln w="31750">
             <a:solidFill>
               <a:srgbClr val="00B050"/>
             </a:solidFill>
-            <a:tailEnd type="triangle"/>
+            <a:tailEnd type="triangle" w="lg" len="lg"/>
           </a:ln>
         </p:spPr>
         <p:style>
@@ -13399,11 +13501,11 @@
           <a:prstGeom prst="straightConnector1">
             <a:avLst/>
           </a:prstGeom>
-          <a:ln w="28575">
+          <a:ln w="31750">
             <a:solidFill>
               <a:srgbClr val="00B050"/>
             </a:solidFill>
-            <a:tailEnd type="triangle"/>
+            <a:tailEnd type="triangle" w="lg" len="lg"/>
           </a:ln>
         </p:spPr>
         <p:style>
@@ -13445,11 +13547,11 @@
           <a:prstGeom prst="straightConnector1">
             <a:avLst/>
           </a:prstGeom>
-          <a:ln w="28575">
+          <a:ln w="31750">
             <a:solidFill>
               <a:srgbClr val="00B050"/>
             </a:solidFill>
-            <a:tailEnd type="triangle"/>
+            <a:tailEnd type="triangle" w="lg" len="lg"/>
           </a:ln>
         </p:spPr>
         <p:style>
@@ -13489,11 +13591,11 @@
           <a:prstGeom prst="straightConnector1">
             <a:avLst/>
           </a:prstGeom>
-          <a:ln w="28575">
+          <a:ln w="31750">
             <a:solidFill>
               <a:srgbClr val="00B050"/>
             </a:solidFill>
-            <a:tailEnd type="triangle"/>
+            <a:tailEnd type="triangle" w="lg" len="lg"/>
           </a:ln>
         </p:spPr>
         <p:style>
@@ -13533,11 +13635,11 @@
           <a:prstGeom prst="straightConnector1">
             <a:avLst/>
           </a:prstGeom>
-          <a:ln w="28575">
+          <a:ln w="31750">
             <a:solidFill>
               <a:srgbClr val="00B050"/>
             </a:solidFill>
-            <a:tailEnd type="triangle"/>
+            <a:tailEnd type="triangle" w="lg" len="lg"/>
           </a:ln>
         </p:spPr>
         <p:style>
@@ -13583,11 +13685,11 @@
               <a:gd name="adj3" fmla="val 104181"/>
             </a:avLst>
           </a:prstGeom>
-          <a:ln w="28575">
+          <a:ln w="31750">
             <a:solidFill>
               <a:srgbClr val="00B050"/>
             </a:solidFill>
-            <a:tailEnd type="triangle"/>
+            <a:tailEnd type="triangle" w="lg" len="lg"/>
           </a:ln>
         </p:spPr>
         <p:style>
@@ -13805,6 +13907,14 @@
           <a:prstGeom prst="rect">
             <a:avLst/>
           </a:prstGeom>
+          <a:solidFill>
+            <a:srgbClr val="FFFF00"/>
+          </a:solidFill>
+          <a:ln>
+            <a:solidFill>
+              <a:schemeClr val="tx1"/>
+            </a:solidFill>
+          </a:ln>
         </p:spPr>
         <p:style>
           <a:lnRef idx="2">
@@ -13851,6 +13961,11 @@
           <a:prstGeom prst="ellipse">
             <a:avLst/>
           </a:prstGeom>
+          <a:ln>
+            <a:solidFill>
+              <a:schemeClr val="tx1"/>
+            </a:solidFill>
+          </a:ln>
         </p:spPr>
         <p:style>
           <a:lnRef idx="2">
@@ -14191,6 +14306,11 @@
           <a:prstGeom prst="upDownArrow">
             <a:avLst/>
           </a:prstGeom>
+          <a:ln>
+            <a:solidFill>
+              <a:schemeClr val="tx1"/>
+            </a:solidFill>
+          </a:ln>
         </p:spPr>
         <p:style>
           <a:lnRef idx="2">
@@ -14399,6 +14519,14 @@
           <a:prstGeom prst="downArrow">
             <a:avLst/>
           </a:prstGeom>
+          <a:solidFill>
+            <a:schemeClr val="bg1"/>
+          </a:solidFill>
+          <a:ln>
+            <a:solidFill>
+              <a:schemeClr val="tx1"/>
+            </a:solidFill>
+          </a:ln>
         </p:spPr>
         <p:style>
           <a:lnRef idx="2">
@@ -14516,6 +14644,14 @@
           <a:prstGeom prst="rect">
             <a:avLst/>
           </a:prstGeom>
+          <a:solidFill>
+            <a:srgbClr val="FFFF00"/>
+          </a:solidFill>
+          <a:ln>
+            <a:solidFill>
+              <a:schemeClr val="tx1"/>
+            </a:solidFill>
+          </a:ln>
         </p:spPr>
         <p:style>
           <a:lnRef idx="2">
@@ -14562,6 +14698,11 @@
           <a:prstGeom prst="ellipse">
             <a:avLst/>
           </a:prstGeom>
+          <a:ln>
+            <a:solidFill>
+              <a:schemeClr val="tx1"/>
+            </a:solidFill>
+          </a:ln>
         </p:spPr>
         <p:style>
           <a:lnRef idx="2">
@@ -14823,6 +14964,11 @@
           <a:prstGeom prst="upDownArrow">
             <a:avLst/>
           </a:prstGeom>
+          <a:ln>
+            <a:solidFill>
+              <a:schemeClr val="tx1"/>
+            </a:solidFill>
+          </a:ln>
         </p:spPr>
         <p:style>
           <a:lnRef idx="2">
@@ -15031,6 +15177,14 @@
           <a:prstGeom prst="downArrow">
             <a:avLst/>
           </a:prstGeom>
+          <a:solidFill>
+            <a:schemeClr val="bg1"/>
+          </a:solidFill>
+          <a:ln>
+            <a:solidFill>
+              <a:schemeClr val="tx1"/>
+            </a:solidFill>
+          </a:ln>
         </p:spPr>
         <p:style>
           <a:lnRef idx="2">
@@ -15113,6 +15267,14 @@
           <a:prstGeom prst="rect">
             <a:avLst/>
           </a:prstGeom>
+          <a:solidFill>
+            <a:srgbClr val="FFFF00"/>
+          </a:solidFill>
+          <a:ln>
+            <a:solidFill>
+              <a:schemeClr val="tx1"/>
+            </a:solidFill>
+          </a:ln>
         </p:spPr>
         <p:style>
           <a:lnRef idx="2">
@@ -15159,6 +15321,11 @@
           <a:prstGeom prst="ellipse">
             <a:avLst/>
           </a:prstGeom>
+          <a:ln>
+            <a:solidFill>
+              <a:schemeClr val="tx1"/>
+            </a:solidFill>
+          </a:ln>
         </p:spPr>
         <p:style>
           <a:lnRef idx="2">
@@ -15420,6 +15587,11 @@
           <a:prstGeom prst="upDownArrow">
             <a:avLst/>
           </a:prstGeom>
+          <a:ln>
+            <a:solidFill>
+              <a:schemeClr val="tx1"/>
+            </a:solidFill>
+          </a:ln>
         </p:spPr>
         <p:style>
           <a:lnRef idx="2">
@@ -15628,6 +15800,14 @@
           <a:prstGeom prst="downArrow">
             <a:avLst/>
           </a:prstGeom>
+          <a:solidFill>
+            <a:schemeClr val="bg1"/>
+          </a:solidFill>
+          <a:ln>
+            <a:solidFill>
+              <a:schemeClr val="tx1"/>
+            </a:solidFill>
+          </a:ln>
         </p:spPr>
         <p:style>
           <a:lnRef idx="2">
@@ -15842,6 +16022,14 @@
           <a:prstGeom prst="downArrow">
             <a:avLst/>
           </a:prstGeom>
+          <a:solidFill>
+            <a:srgbClr val="00B0F0"/>
+          </a:solidFill>
+          <a:ln>
+            <a:solidFill>
+              <a:schemeClr val="tx1"/>
+            </a:solidFill>
+          </a:ln>
         </p:spPr>
         <p:style>
           <a:lnRef idx="2">
@@ -15888,6 +16076,14 @@
           <a:prstGeom prst="downArrow">
             <a:avLst/>
           </a:prstGeom>
+          <a:solidFill>
+            <a:srgbClr val="00B0F0"/>
+          </a:solidFill>
+          <a:ln>
+            <a:solidFill>
+              <a:schemeClr val="tx1"/>
+            </a:solidFill>
+          </a:ln>
         </p:spPr>
         <p:style>
           <a:lnRef idx="2">
@@ -15934,6 +16130,14 @@
           <a:prstGeom prst="downArrow">
             <a:avLst/>
           </a:prstGeom>
+          <a:solidFill>
+            <a:srgbClr val="00B0F0"/>
+          </a:solidFill>
+          <a:ln>
+            <a:solidFill>
+              <a:schemeClr val="tx1"/>
+            </a:solidFill>
+          </a:ln>
         </p:spPr>
         <p:style>
           <a:lnRef idx="2">
@@ -16347,6 +16551,12 @@
           <a:prstGeom prst="downArrow">
             <a:avLst/>
           </a:prstGeom>
+          <a:solidFill>
+            <a:schemeClr val="tx1"/>
+          </a:solidFill>
+          <a:ln>
+            <a:noFill/>
+          </a:ln>
         </p:spPr>
         <p:style>
           <a:lnRef idx="2">
@@ -16393,6 +16603,12 @@
           <a:prstGeom prst="downArrow">
             <a:avLst/>
           </a:prstGeom>
+          <a:solidFill>
+            <a:schemeClr val="tx1"/>
+          </a:solidFill>
+          <a:ln>
+            <a:noFill/>
+          </a:ln>
         </p:spPr>
         <p:style>
           <a:lnRef idx="2">
@@ -16439,6 +16655,12 @@
           <a:prstGeom prst="downArrow">
             <a:avLst/>
           </a:prstGeom>
+          <a:solidFill>
+            <a:schemeClr val="tx1"/>
+          </a:solidFill>
+          <a:ln>
+            <a:noFill/>
+          </a:ln>
         </p:spPr>
         <p:style>
           <a:lnRef idx="2">
@@ -16485,6 +16707,14 @@
           <a:prstGeom prst="rightArrow">
             <a:avLst/>
           </a:prstGeom>
+          <a:solidFill>
+            <a:schemeClr val="accent5"/>
+          </a:solidFill>
+          <a:ln>
+            <a:solidFill>
+              <a:schemeClr val="tx1"/>
+            </a:solidFill>
+          </a:ln>
         </p:spPr>
         <p:style>
           <a:lnRef idx="2">
@@ -17997,8 +18227,8 @@
           </a:p>
         </p:txBody>
       </p:sp>
-      <mc:AlternateContent xmlns:mc="http://schemas.openxmlformats.org/markup-compatibility/2006">
-        <mc:Choice xmlns:a14="http://schemas.microsoft.com/office/drawing/2010/main" Requires="a14">
+      <mc:AlternateContent xmlns:mc="http://schemas.openxmlformats.org/markup-compatibility/2006" xmlns:a14="http://schemas.microsoft.com/office/drawing/2010/main">
+        <mc:Choice Requires="a14">
           <p:sp>
             <p:nvSpPr>
               <p:cNvPr id="9" name="テキスト ボックス 8">
@@ -18027,6 +18257,7 @@
               </a:bodyPr>
               <a:lstStyle/>
               <a:p>
+                <a:pPr/>
                 <a14:m>
                   <m:oMathPara xmlns:m="http://schemas.openxmlformats.org/officeDocument/2006/math">
                     <m:oMathParaPr>
@@ -18312,7 +18543,7 @@
             </p:txBody>
           </p:sp>
         </mc:Choice>
-        <mc:Fallback>
+        <mc:Fallback xmlns="">
           <p:sp>
             <p:nvSpPr>
               <p:cNvPr id="9" name="テキスト ボックス 8">
@@ -18357,8 +18588,8 @@
           </p:sp>
         </mc:Fallback>
       </mc:AlternateContent>
-      <mc:AlternateContent xmlns:mc="http://schemas.openxmlformats.org/markup-compatibility/2006">
-        <mc:Choice xmlns:a14="http://schemas.microsoft.com/office/drawing/2010/main" Requires="a14">
+      <mc:AlternateContent xmlns:mc="http://schemas.openxmlformats.org/markup-compatibility/2006" xmlns:a14="http://schemas.microsoft.com/office/drawing/2010/main">
+        <mc:Choice Requires="a14">
           <p:sp>
             <p:nvSpPr>
               <p:cNvPr id="10" name="テキスト ボックス 9">
@@ -18602,7 +18833,7 @@
             </p:txBody>
           </p:sp>
         </mc:Choice>
-        <mc:Fallback>
+        <mc:Fallback xmlns="">
           <p:sp>
             <p:nvSpPr>
               <p:cNvPr id="10" name="テキスト ボックス 9">
@@ -18672,6 +18903,14 @@
           <a:prstGeom prst="rect">
             <a:avLst/>
           </a:prstGeom>
+          <a:solidFill>
+            <a:srgbClr val="FFFF00"/>
+          </a:solidFill>
+          <a:ln>
+            <a:solidFill>
+              <a:schemeClr val="tx1"/>
+            </a:solidFill>
+          </a:ln>
         </p:spPr>
         <p:style>
           <a:lnRef idx="2">
@@ -18718,6 +18957,14 @@
           <a:prstGeom prst="rect">
             <a:avLst/>
           </a:prstGeom>
+          <a:solidFill>
+            <a:srgbClr val="FFFF00"/>
+          </a:solidFill>
+          <a:ln>
+            <a:solidFill>
+              <a:schemeClr val="tx1"/>
+            </a:solidFill>
+          </a:ln>
         </p:spPr>
         <p:style>
           <a:lnRef idx="2">
@@ -18764,6 +19011,14 @@
           <a:prstGeom prst="rect">
             <a:avLst/>
           </a:prstGeom>
+          <a:solidFill>
+            <a:srgbClr val="FFFF00"/>
+          </a:solidFill>
+          <a:ln>
+            <a:solidFill>
+              <a:schemeClr val="tx1"/>
+            </a:solidFill>
+          </a:ln>
         </p:spPr>
         <p:style>
           <a:lnRef idx="2">
@@ -18810,6 +19065,14 @@
           <a:prstGeom prst="rect">
             <a:avLst/>
           </a:prstGeom>
+          <a:solidFill>
+            <a:srgbClr val="FFFF00"/>
+          </a:solidFill>
+          <a:ln>
+            <a:solidFill>
+              <a:schemeClr val="tx1"/>
+            </a:solidFill>
+          </a:ln>
         </p:spPr>
         <p:style>
           <a:lnRef idx="2">
@@ -18836,8 +19099,8 @@
           </a:p>
         </p:txBody>
       </p:sp>
-      <mc:AlternateContent xmlns:mc="http://schemas.openxmlformats.org/markup-compatibility/2006">
-        <mc:Choice xmlns:a14="http://schemas.microsoft.com/office/drawing/2010/main" Requires="a14">
+      <mc:AlternateContent xmlns:mc="http://schemas.openxmlformats.org/markup-compatibility/2006" xmlns:a14="http://schemas.microsoft.com/office/drawing/2010/main">
+        <mc:Choice Requires="a14">
           <p:sp>
             <p:nvSpPr>
               <p:cNvPr id="17" name="テキスト ボックス 16">
@@ -18866,6 +19129,7 @@
               </a:bodyPr>
               <a:lstStyle/>
               <a:p>
+                <a:pPr/>
                 <a14:m>
                   <m:oMathPara xmlns:m="http://schemas.openxmlformats.org/officeDocument/2006/math">
                     <m:oMathParaPr>
@@ -18939,7 +19203,7 @@
             </p:txBody>
           </p:sp>
         </mc:Choice>
-        <mc:Fallback>
+        <mc:Fallback xmlns="">
           <p:sp>
             <p:nvSpPr>
               <p:cNvPr id="17" name="テキスト ボックス 16">
@@ -20498,6 +20762,12 @@
           <a:prstGeom prst="downArrow">
             <a:avLst/>
           </a:prstGeom>
+          <a:solidFill>
+            <a:schemeClr val="tx1"/>
+          </a:solidFill>
+          <a:ln>
+            <a:noFill/>
+          </a:ln>
         </p:spPr>
         <p:style>
           <a:lnRef idx="2">
@@ -20544,6 +20814,12 @@
           <a:prstGeom prst="downArrow">
             <a:avLst/>
           </a:prstGeom>
+          <a:solidFill>
+            <a:schemeClr val="tx1"/>
+          </a:solidFill>
+          <a:ln>
+            <a:noFill/>
+          </a:ln>
         </p:spPr>
         <p:style>
           <a:lnRef idx="2">
@@ -20590,6 +20866,12 @@
           <a:prstGeom prst="downArrow">
             <a:avLst/>
           </a:prstGeom>
+          <a:solidFill>
+            <a:schemeClr val="tx1"/>
+          </a:solidFill>
+          <a:ln>
+            <a:noFill/>
+          </a:ln>
         </p:spPr>
         <p:style>
           <a:lnRef idx="2">
@@ -20636,6 +20918,14 @@
           <a:prstGeom prst="rightArrow">
             <a:avLst/>
           </a:prstGeom>
+          <a:solidFill>
+            <a:schemeClr val="accent5"/>
+          </a:solidFill>
+          <a:ln>
+            <a:solidFill>
+              <a:schemeClr val="tx1"/>
+            </a:solidFill>
+          </a:ln>
         </p:spPr>
         <p:style>
           <a:lnRef idx="2">

--- a/進捗報告_第1回_20190108.pptx
+++ b/進捗報告_第1回_20190108.pptx
@@ -17498,9 +17498,21 @@
             </a:br>
             <a:r>
               <a:rPr lang="ja-JP" altLang="en-US" sz="2800"/>
-              <a:t>最終世代から弱識別器の選択</a:t>
-            </a:r>
-            <a:endParaRPr lang="en-US" altLang="ja-JP" sz="2800"/>
+              <a:t>最終世代から</a:t>
+            </a:r>
+            <a:r>
+              <a:rPr lang="ja-JP" altLang="en-US" sz="2800">
+                <a:solidFill>
+                  <a:srgbClr val="FF0000"/>
+                </a:solidFill>
+              </a:rPr>
+              <a:t>弱識別器の選択</a:t>
+            </a:r>
+            <a:endParaRPr lang="en-US" altLang="ja-JP" sz="2800">
+              <a:solidFill>
+                <a:srgbClr val="FF0000"/>
+              </a:solidFill>
+            </a:endParaRPr>
           </a:p>
           <a:p>
             <a:r>
